--- a/16 - DFD Essencial para cada Capacidade.pptx
+++ b/16 - DFD Essencial para cada Capacidade.pptx
@@ -7,6 +7,7 @@
   <p:sldIdLst>
     <p:sldId id="257" r:id="rId2"/>
     <p:sldId id="256" r:id="rId3"/>
+    <p:sldId id="258" r:id="rId4"/>
   </p:sldIdLst>
   <p:sldSz cx="12192000" cy="6858000"/>
   <p:notesSz cx="6858000" cy="9144000"/>
@@ -105,19 +106,79 @@
       </a:defRPr>
     </a:lvl9pPr>
   </p:defaultTextStyle>
+  <p:extLst>
+    <p:ext uri="{EFAFB233-063F-42B5-8137-9DF3F51BA10A}">
+      <p15:sldGuideLst xmlns:p15="http://schemas.microsoft.com/office/powerpoint/2012/main"/>
+    </p:ext>
+  </p:extLst>
 </p:presentation>
 </file>
 
 <file path=ppt/revisionInfo.xml><?xml version="1.0" encoding="utf-8"?>
 <p1510:revInfo xmlns:a="http://schemas.openxmlformats.org/drawingml/2006/main" xmlns:r="http://schemas.openxmlformats.org/officeDocument/2006/relationships" xmlns:p1510="http://schemas.microsoft.com/office/powerpoint/2015/10/main">
   <p1510:revLst>
-    <p1510:client id="{189942BF-CFF7-4B4D-90CE-C99716133C15}" v="4" dt="2020-10-22T02:38:58.603"/>
+    <p1510:client id="{309CFE05-FE4F-4022-836B-96EC0A4E0924}" v="2" dt="2020-11-09T21:30:50.196"/>
   </p1510:revLst>
 </p1510:revInfo>
 </file>
 
 <file path=ppt/changesInfos/changesInfo1.xml><?xml version="1.0" encoding="utf-8"?>
 <pc:chgInfo xmlns:a="http://schemas.openxmlformats.org/drawingml/2006/main" xmlns:r="http://schemas.openxmlformats.org/officeDocument/2006/relationships" xmlns:ac="http://schemas.microsoft.com/office/drawing/2013/main/command" xmlns:pc="http://schemas.microsoft.com/office/powerpoint/2013/main/command">
+  <pc:docChgLst>
+    <pc:chgData name="Rafael Izukawa" userId="8cd3af5bce398e7e" providerId="LiveId" clId="{309CFE05-FE4F-4022-836B-96EC0A4E0924}"/>
+    <pc:docChg chg="undo custSel addSld delSld modSld">
+      <pc:chgData name="Rafael Izukawa" userId="8cd3af5bce398e7e" providerId="LiveId" clId="{309CFE05-FE4F-4022-836B-96EC0A4E0924}" dt="2020-11-09T21:30:50.583" v="17" actId="962"/>
+      <pc:docMkLst>
+        <pc:docMk/>
+      </pc:docMkLst>
+      <pc:sldChg chg="new del">
+        <pc:chgData name="Rafael Izukawa" userId="8cd3af5bce398e7e" providerId="LiveId" clId="{309CFE05-FE4F-4022-836B-96EC0A4E0924}" dt="2020-11-09T21:30:21.581" v="12" actId="680"/>
+        <pc:sldMkLst>
+          <pc:docMk/>
+          <pc:sldMk cId="1733464357" sldId="258"/>
+        </pc:sldMkLst>
+      </pc:sldChg>
+      <pc:sldChg chg="addSp delSp modSp new add del mod">
+        <pc:chgData name="Rafael Izukawa" userId="8cd3af5bce398e7e" providerId="LiveId" clId="{309CFE05-FE4F-4022-836B-96EC0A4E0924}" dt="2020-11-09T21:30:50.583" v="17" actId="962"/>
+        <pc:sldMkLst>
+          <pc:docMk/>
+          <pc:sldMk cId="4055363139" sldId="258"/>
+        </pc:sldMkLst>
+        <pc:spChg chg="del">
+          <ac:chgData name="Rafael Izukawa" userId="8cd3af5bce398e7e" providerId="LiveId" clId="{309CFE05-FE4F-4022-836B-96EC0A4E0924}" dt="2020-11-09T21:24:38.087" v="1" actId="478"/>
+          <ac:spMkLst>
+            <pc:docMk/>
+            <pc:sldMk cId="4055363139" sldId="258"/>
+            <ac:spMk id="2" creationId="{A325EBC2-5E8C-4D63-BE9E-37D1FB3D40AF}"/>
+          </ac:spMkLst>
+        </pc:spChg>
+        <pc:spChg chg="del">
+          <ac:chgData name="Rafael Izukawa" userId="8cd3af5bce398e7e" providerId="LiveId" clId="{309CFE05-FE4F-4022-836B-96EC0A4E0924}" dt="2020-11-09T21:24:41.616" v="2" actId="478"/>
+          <ac:spMkLst>
+            <pc:docMk/>
+            <pc:sldMk cId="4055363139" sldId="258"/>
+            <ac:spMk id="3" creationId="{B7258431-5B4F-43A8-9FF9-405B79A62AF8}"/>
+          </ac:spMkLst>
+        </pc:spChg>
+        <pc:picChg chg="add del mod">
+          <ac:chgData name="Rafael Izukawa" userId="8cd3af5bce398e7e" providerId="LiveId" clId="{309CFE05-FE4F-4022-836B-96EC0A4E0924}" dt="2020-11-09T21:30:24.403" v="14" actId="478"/>
+          <ac:picMkLst>
+            <pc:docMk/>
+            <pc:sldMk cId="4055363139" sldId="258"/>
+            <ac:picMk id="5" creationId="{766C719A-DA6B-494A-9637-EAB77B424E55}"/>
+          </ac:picMkLst>
+        </pc:picChg>
+        <pc:picChg chg="add mod">
+          <ac:chgData name="Rafael Izukawa" userId="8cd3af5bce398e7e" providerId="LiveId" clId="{309CFE05-FE4F-4022-836B-96EC0A4E0924}" dt="2020-11-09T21:30:50.583" v="17" actId="962"/>
+          <ac:picMkLst>
+            <pc:docMk/>
+            <pc:sldMk cId="4055363139" sldId="258"/>
+            <ac:picMk id="7" creationId="{2BB4DE06-9F65-493A-9E78-5AC637927B45}"/>
+          </ac:picMkLst>
+        </pc:picChg>
+      </pc:sldChg>
+    </pc:docChg>
+  </pc:docChgLst>
   <pc:docChgLst>
     <pc:chgData name="Rafael Izukawa" userId="8cd3af5bce398e7e" providerId="LiveId" clId="{189942BF-CFF7-4B4D-90CE-C99716133C15}"/>
     <pc:docChg chg="undo custSel addSld modSld sldOrd">
@@ -355,7 +416,7 @@
           <a:p>
             <a:fld id="{D0032B4E-2C84-4526-8E99-AC33BD450999}" type="datetimeFigureOut">
               <a:rPr lang="pt-BR" smtClean="0"/>
-              <a:t>21/10/2020</a:t>
+              <a:t>09/11/2020</a:t>
             </a:fld>
             <a:endParaRPr lang="pt-BR"/>
           </a:p>
@@ -553,7 +614,7 @@
           <a:p>
             <a:fld id="{D0032B4E-2C84-4526-8E99-AC33BD450999}" type="datetimeFigureOut">
               <a:rPr lang="pt-BR" smtClean="0"/>
-              <a:t>21/10/2020</a:t>
+              <a:t>09/11/2020</a:t>
             </a:fld>
             <a:endParaRPr lang="pt-BR"/>
           </a:p>
@@ -761,7 +822,7 @@
           <a:p>
             <a:fld id="{D0032B4E-2C84-4526-8E99-AC33BD450999}" type="datetimeFigureOut">
               <a:rPr lang="pt-BR" smtClean="0"/>
-              <a:t>21/10/2020</a:t>
+              <a:t>09/11/2020</a:t>
             </a:fld>
             <a:endParaRPr lang="pt-BR"/>
           </a:p>
@@ -959,7 +1020,7 @@
           <a:p>
             <a:fld id="{D0032B4E-2C84-4526-8E99-AC33BD450999}" type="datetimeFigureOut">
               <a:rPr lang="pt-BR" smtClean="0"/>
-              <a:t>21/10/2020</a:t>
+              <a:t>09/11/2020</a:t>
             </a:fld>
             <a:endParaRPr lang="pt-BR"/>
           </a:p>
@@ -1234,7 +1295,7 @@
           <a:p>
             <a:fld id="{D0032B4E-2C84-4526-8E99-AC33BD450999}" type="datetimeFigureOut">
               <a:rPr lang="pt-BR" smtClean="0"/>
-              <a:t>21/10/2020</a:t>
+              <a:t>09/11/2020</a:t>
             </a:fld>
             <a:endParaRPr lang="pt-BR"/>
           </a:p>
@@ -1499,7 +1560,7 @@
           <a:p>
             <a:fld id="{D0032B4E-2C84-4526-8E99-AC33BD450999}" type="datetimeFigureOut">
               <a:rPr lang="pt-BR" smtClean="0"/>
-              <a:t>21/10/2020</a:t>
+              <a:t>09/11/2020</a:t>
             </a:fld>
             <a:endParaRPr lang="pt-BR"/>
           </a:p>
@@ -1911,7 +1972,7 @@
           <a:p>
             <a:fld id="{D0032B4E-2C84-4526-8E99-AC33BD450999}" type="datetimeFigureOut">
               <a:rPr lang="pt-BR" smtClean="0"/>
-              <a:t>21/10/2020</a:t>
+              <a:t>09/11/2020</a:t>
             </a:fld>
             <a:endParaRPr lang="pt-BR"/>
           </a:p>
@@ -2052,7 +2113,7 @@
           <a:p>
             <a:fld id="{D0032B4E-2C84-4526-8E99-AC33BD450999}" type="datetimeFigureOut">
               <a:rPr lang="pt-BR" smtClean="0"/>
-              <a:t>21/10/2020</a:t>
+              <a:t>09/11/2020</a:t>
             </a:fld>
             <a:endParaRPr lang="pt-BR"/>
           </a:p>
@@ -2165,7 +2226,7 @@
           <a:p>
             <a:fld id="{D0032B4E-2C84-4526-8E99-AC33BD450999}" type="datetimeFigureOut">
               <a:rPr lang="pt-BR" smtClean="0"/>
-              <a:t>21/10/2020</a:t>
+              <a:t>09/11/2020</a:t>
             </a:fld>
             <a:endParaRPr lang="pt-BR"/>
           </a:p>
@@ -2476,7 +2537,7 @@
           <a:p>
             <a:fld id="{D0032B4E-2C84-4526-8E99-AC33BD450999}" type="datetimeFigureOut">
               <a:rPr lang="pt-BR" smtClean="0"/>
-              <a:t>21/10/2020</a:t>
+              <a:t>09/11/2020</a:t>
             </a:fld>
             <a:endParaRPr lang="pt-BR"/>
           </a:p>
@@ -2764,7 +2825,7 @@
           <a:p>
             <a:fld id="{D0032B4E-2C84-4526-8E99-AC33BD450999}" type="datetimeFigureOut">
               <a:rPr lang="pt-BR" smtClean="0"/>
-              <a:t>21/10/2020</a:t>
+              <a:t>09/11/2020</a:t>
             </a:fld>
             <a:endParaRPr lang="pt-BR"/>
           </a:p>
@@ -3005,7 +3066,7 @@
           <a:p>
             <a:fld id="{D0032B4E-2C84-4526-8E99-AC33BD450999}" type="datetimeFigureOut">
               <a:rPr lang="pt-BR" smtClean="0"/>
-              <a:t>21/10/2020</a:t>
+              <a:t>09/11/2020</a:t>
             </a:fld>
             <a:endParaRPr lang="pt-BR"/>
           </a:p>
@@ -3537,6 +3598,72 @@
 </p:sld>
 </file>
 
+<file path=ppt/slides/slide3.xml><?xml version="1.0" encoding="utf-8"?>
+<p:sld xmlns:a="http://schemas.openxmlformats.org/drawingml/2006/main" xmlns:r="http://schemas.openxmlformats.org/officeDocument/2006/relationships" xmlns:p="http://schemas.openxmlformats.org/presentationml/2006/main">
+  <p:cSld>
+    <p:spTree>
+      <p:nvGrpSpPr>
+        <p:cNvPr id="1" name=""/>
+        <p:cNvGrpSpPr/>
+        <p:nvPr/>
+      </p:nvGrpSpPr>
+      <p:grpSpPr>
+        <a:xfrm>
+          <a:off x="0" y="0"/>
+          <a:ext cx="0" cy="0"/>
+          <a:chOff x="0" y="0"/>
+          <a:chExt cx="0" cy="0"/>
+        </a:xfrm>
+      </p:grpSpPr>
+      <p:pic>
+        <p:nvPicPr>
+          <p:cNvPr id="7" name="Imagem 6" descr="Diagrama&#10;&#10;Descrição gerada automaticamente">
+            <a:extLst>
+              <a:ext uri="{FF2B5EF4-FFF2-40B4-BE49-F238E27FC236}">
+                <a16:creationId xmlns:a16="http://schemas.microsoft.com/office/drawing/2014/main" id="{2BB4DE06-9F65-493A-9E78-5AC637927B45}"/>
+              </a:ext>
+            </a:extLst>
+          </p:cNvPr>
+          <p:cNvPicPr>
+            <a:picLocks noChangeAspect="1"/>
+          </p:cNvPicPr>
+          <p:nvPr/>
+        </p:nvPicPr>
+        <p:blipFill>
+          <a:blip r:embed="rId2">
+            <a:extLst>
+              <a:ext uri="{28A0092B-C50C-407E-A947-70E740481C1C}">
+                <a14:useLocalDpi xmlns:a14="http://schemas.microsoft.com/office/drawing/2010/main" val="0"/>
+              </a:ext>
+            </a:extLst>
+          </a:blip>
+          <a:stretch>
+            <a:fillRect/>
+          </a:stretch>
+        </p:blipFill>
+        <p:spPr>
+          <a:xfrm>
+            <a:off x="3745417" y="0"/>
+            <a:ext cx="4701166" cy="6858000"/>
+          </a:xfrm>
+          <a:prstGeom prst="rect">
+            <a:avLst/>
+          </a:prstGeom>
+        </p:spPr>
+      </p:pic>
+    </p:spTree>
+    <p:extLst>
+      <p:ext uri="{BB962C8B-B14F-4D97-AF65-F5344CB8AC3E}">
+        <p14:creationId xmlns:p14="http://schemas.microsoft.com/office/powerpoint/2010/main" val="4055363139"/>
+      </p:ext>
+    </p:extLst>
+  </p:cSld>
+  <p:clrMapOvr>
+    <a:masterClrMapping/>
+  </p:clrMapOvr>
+</p:sld>
+</file>
+
 <file path=ppt/theme/theme1.xml><?xml version="1.0" encoding="utf-8"?>
 <a:theme xmlns:a="http://schemas.openxmlformats.org/drawingml/2006/main" name="Tema do Office">
   <a:themeElements>

--- a/16 - DFD Essencial para cada Capacidade.pptx
+++ b/16 - DFD Essencial para cada Capacidade.pptx
@@ -6,8 +6,8 @@
   </p:sldMasterIdLst>
   <p:sldIdLst>
     <p:sldId id="257" r:id="rId2"/>
-    <p:sldId id="256" r:id="rId3"/>
-    <p:sldId id="258" r:id="rId4"/>
+    <p:sldId id="258" r:id="rId3"/>
+    <p:sldId id="256" r:id="rId4"/>
   </p:sldIdLst>
   <p:sldSz cx="12192000" cy="6858000"/>
   <p:notesSz cx="6858000" cy="9144000"/>
@@ -117,7 +117,7 @@
 <file path=ppt/revisionInfo.xml><?xml version="1.0" encoding="utf-8"?>
 <p1510:revInfo xmlns:a="http://schemas.openxmlformats.org/drawingml/2006/main" xmlns:r="http://schemas.openxmlformats.org/officeDocument/2006/relationships" xmlns:p1510="http://schemas.microsoft.com/office/powerpoint/2015/10/main">
   <p1510:revLst>
-    <p1510:client id="{309CFE05-FE4F-4022-836B-96EC0A4E0924}" v="2" dt="2020-11-09T21:30:50.196"/>
+    <p1510:client id="{309CFE05-FE4F-4022-836B-96EC0A4E0924}" v="3" dt="2020-11-19T02:24:42.415"/>
   </p1510:revLst>
 </p1510:revInfo>
 </file>
@@ -126,11 +126,34 @@
 <pc:chgInfo xmlns:a="http://schemas.openxmlformats.org/drawingml/2006/main" xmlns:r="http://schemas.openxmlformats.org/officeDocument/2006/relationships" xmlns:ac="http://schemas.microsoft.com/office/drawing/2013/main/command" xmlns:pc="http://schemas.microsoft.com/office/powerpoint/2013/main/command">
   <pc:docChgLst>
     <pc:chgData name="Rafael Izukawa" userId="8cd3af5bce398e7e" providerId="LiveId" clId="{309CFE05-FE4F-4022-836B-96EC0A4E0924}"/>
-    <pc:docChg chg="undo custSel addSld delSld modSld">
-      <pc:chgData name="Rafael Izukawa" userId="8cd3af5bce398e7e" providerId="LiveId" clId="{309CFE05-FE4F-4022-836B-96EC0A4E0924}" dt="2020-11-09T21:30:50.583" v="17" actId="962"/>
+    <pc:docChg chg="undo custSel addSld delSld modSld sldOrd">
+      <pc:chgData name="Rafael Izukawa" userId="8cd3af5bce398e7e" providerId="LiveId" clId="{309CFE05-FE4F-4022-836B-96EC0A4E0924}" dt="2020-11-19T02:24:44.431" v="26" actId="962"/>
       <pc:docMkLst>
         <pc:docMk/>
       </pc:docMkLst>
+      <pc:sldChg chg="addSp delSp modSp mod">
+        <pc:chgData name="Rafael Izukawa" userId="8cd3af5bce398e7e" providerId="LiveId" clId="{309CFE05-FE4F-4022-836B-96EC0A4E0924}" dt="2020-11-19T02:24:44.431" v="26" actId="962"/>
+        <pc:sldMkLst>
+          <pc:docMk/>
+          <pc:sldMk cId="2673068166" sldId="257"/>
+        </pc:sldMkLst>
+        <pc:picChg chg="add mod">
+          <ac:chgData name="Rafael Izukawa" userId="8cd3af5bce398e7e" providerId="LiveId" clId="{309CFE05-FE4F-4022-836B-96EC0A4E0924}" dt="2020-11-19T02:24:44.431" v="26" actId="962"/>
+          <ac:picMkLst>
+            <pc:docMk/>
+            <pc:sldMk cId="2673068166" sldId="257"/>
+            <ac:picMk id="3" creationId="{9A25A06A-CE9F-4B17-8A21-A559904EE3EA}"/>
+          </ac:picMkLst>
+        </pc:picChg>
+        <pc:picChg chg="del">
+          <ac:chgData name="Rafael Izukawa" userId="8cd3af5bce398e7e" providerId="LiveId" clId="{309CFE05-FE4F-4022-836B-96EC0A4E0924}" dt="2020-11-19T02:09:08.125" v="23" actId="478"/>
+          <ac:picMkLst>
+            <pc:docMk/>
+            <pc:sldMk cId="2673068166" sldId="257"/>
+            <ac:picMk id="5" creationId="{28B5B885-46C9-460C-87B3-B6D1E5A9A061}"/>
+          </ac:picMkLst>
+        </pc:picChg>
+      </pc:sldChg>
       <pc:sldChg chg="new del">
         <pc:chgData name="Rafael Izukawa" userId="8cd3af5bce398e7e" providerId="LiveId" clId="{309CFE05-FE4F-4022-836B-96EC0A4E0924}" dt="2020-11-09T21:30:21.581" v="12" actId="680"/>
         <pc:sldMkLst>
@@ -138,8 +161,8 @@
           <pc:sldMk cId="1733464357" sldId="258"/>
         </pc:sldMkLst>
       </pc:sldChg>
-      <pc:sldChg chg="addSp delSp modSp new add del mod">
-        <pc:chgData name="Rafael Izukawa" userId="8cd3af5bce398e7e" providerId="LiveId" clId="{309CFE05-FE4F-4022-836B-96EC0A4E0924}" dt="2020-11-09T21:30:50.583" v="17" actId="962"/>
+      <pc:sldChg chg="addSp delSp modSp new add del mod ord">
+        <pc:chgData name="Rafael Izukawa" userId="8cd3af5bce398e7e" providerId="LiveId" clId="{309CFE05-FE4F-4022-836B-96EC0A4E0924}" dt="2020-11-19T00:12:57.053" v="22"/>
         <pc:sldMkLst>
           <pc:docMk/>
           <pc:sldMk cId="4055363139" sldId="258"/>
@@ -416,7 +439,7 @@
           <a:p>
             <a:fld id="{D0032B4E-2C84-4526-8E99-AC33BD450999}" type="datetimeFigureOut">
               <a:rPr lang="pt-BR" smtClean="0"/>
-              <a:t>09/11/2020</a:t>
+              <a:t>18/11/2020</a:t>
             </a:fld>
             <a:endParaRPr lang="pt-BR"/>
           </a:p>
@@ -614,7 +637,7 @@
           <a:p>
             <a:fld id="{D0032B4E-2C84-4526-8E99-AC33BD450999}" type="datetimeFigureOut">
               <a:rPr lang="pt-BR" smtClean="0"/>
-              <a:t>09/11/2020</a:t>
+              <a:t>18/11/2020</a:t>
             </a:fld>
             <a:endParaRPr lang="pt-BR"/>
           </a:p>
@@ -822,7 +845,7 @@
           <a:p>
             <a:fld id="{D0032B4E-2C84-4526-8E99-AC33BD450999}" type="datetimeFigureOut">
               <a:rPr lang="pt-BR" smtClean="0"/>
-              <a:t>09/11/2020</a:t>
+              <a:t>18/11/2020</a:t>
             </a:fld>
             <a:endParaRPr lang="pt-BR"/>
           </a:p>
@@ -1020,7 +1043,7 @@
           <a:p>
             <a:fld id="{D0032B4E-2C84-4526-8E99-AC33BD450999}" type="datetimeFigureOut">
               <a:rPr lang="pt-BR" smtClean="0"/>
-              <a:t>09/11/2020</a:t>
+              <a:t>18/11/2020</a:t>
             </a:fld>
             <a:endParaRPr lang="pt-BR"/>
           </a:p>
@@ -1295,7 +1318,7 @@
           <a:p>
             <a:fld id="{D0032B4E-2C84-4526-8E99-AC33BD450999}" type="datetimeFigureOut">
               <a:rPr lang="pt-BR" smtClean="0"/>
-              <a:t>09/11/2020</a:t>
+              <a:t>18/11/2020</a:t>
             </a:fld>
             <a:endParaRPr lang="pt-BR"/>
           </a:p>
@@ -1560,7 +1583,7 @@
           <a:p>
             <a:fld id="{D0032B4E-2C84-4526-8E99-AC33BD450999}" type="datetimeFigureOut">
               <a:rPr lang="pt-BR" smtClean="0"/>
-              <a:t>09/11/2020</a:t>
+              <a:t>18/11/2020</a:t>
             </a:fld>
             <a:endParaRPr lang="pt-BR"/>
           </a:p>
@@ -1972,7 +1995,7 @@
           <a:p>
             <a:fld id="{D0032B4E-2C84-4526-8E99-AC33BD450999}" type="datetimeFigureOut">
               <a:rPr lang="pt-BR" smtClean="0"/>
-              <a:t>09/11/2020</a:t>
+              <a:t>18/11/2020</a:t>
             </a:fld>
             <a:endParaRPr lang="pt-BR"/>
           </a:p>
@@ -2113,7 +2136,7 @@
           <a:p>
             <a:fld id="{D0032B4E-2C84-4526-8E99-AC33BD450999}" type="datetimeFigureOut">
               <a:rPr lang="pt-BR" smtClean="0"/>
-              <a:t>09/11/2020</a:t>
+              <a:t>18/11/2020</a:t>
             </a:fld>
             <a:endParaRPr lang="pt-BR"/>
           </a:p>
@@ -2226,7 +2249,7 @@
           <a:p>
             <a:fld id="{D0032B4E-2C84-4526-8E99-AC33BD450999}" type="datetimeFigureOut">
               <a:rPr lang="pt-BR" smtClean="0"/>
-              <a:t>09/11/2020</a:t>
+              <a:t>18/11/2020</a:t>
             </a:fld>
             <a:endParaRPr lang="pt-BR"/>
           </a:p>
@@ -2537,7 +2560,7 @@
           <a:p>
             <a:fld id="{D0032B4E-2C84-4526-8E99-AC33BD450999}" type="datetimeFigureOut">
               <a:rPr lang="pt-BR" smtClean="0"/>
-              <a:t>09/11/2020</a:t>
+              <a:t>18/11/2020</a:t>
             </a:fld>
             <a:endParaRPr lang="pt-BR"/>
           </a:p>
@@ -2825,7 +2848,7 @@
           <a:p>
             <a:fld id="{D0032B4E-2C84-4526-8E99-AC33BD450999}" type="datetimeFigureOut">
               <a:rPr lang="pt-BR" smtClean="0"/>
-              <a:t>09/11/2020</a:t>
+              <a:t>18/11/2020</a:t>
             </a:fld>
             <a:endParaRPr lang="pt-BR"/>
           </a:p>
@@ -3066,7 +3089,7 @@
           <a:p>
             <a:fld id="{D0032B4E-2C84-4526-8E99-AC33BD450999}" type="datetimeFigureOut">
               <a:rPr lang="pt-BR" smtClean="0"/>
-              <a:t>09/11/2020</a:t>
+              <a:t>18/11/2020</a:t>
             </a:fld>
             <a:endParaRPr lang="pt-BR"/>
           </a:p>
@@ -3485,10 +3508,10 @@
       </p:grpSpPr>
       <p:pic>
         <p:nvPicPr>
-          <p:cNvPr id="5" name="Imagem 4" descr="Diagrama, Esquemático&#10;&#10;Descrição gerada automaticamente">
-            <a:extLst>
-              <a:ext uri="{FF2B5EF4-FFF2-40B4-BE49-F238E27FC236}">
-                <a16:creationId xmlns:a16="http://schemas.microsoft.com/office/drawing/2014/main" id="{28B5B885-46C9-460C-87B3-B6D1E5A9A061}"/>
+          <p:cNvPr id="3" name="Imagem 2" descr="Diagrama, Esquemático&#10;&#10;Descrição gerada automaticamente">
+            <a:extLst>
+              <a:ext uri="{FF2B5EF4-FFF2-40B4-BE49-F238E27FC236}">
+                <a16:creationId xmlns:a16="http://schemas.microsoft.com/office/drawing/2014/main" id="{9A25A06A-CE9F-4B17-8A21-A559904EE3EA}"/>
               </a:ext>
             </a:extLst>
           </p:cNvPr>
@@ -3511,8 +3534,8 @@
         </p:blipFill>
         <p:spPr>
           <a:xfrm>
-            <a:off x="0" y="132616"/>
-            <a:ext cx="12192000" cy="6592768"/>
+            <a:off x="0" y="110581"/>
+            <a:ext cx="12192000" cy="6636837"/>
           </a:xfrm>
           <a:prstGeom prst="rect">
             <a:avLst/>
@@ -3551,10 +3574,10 @@
       </p:grpSpPr>
       <p:pic>
         <p:nvPicPr>
-          <p:cNvPr id="9" name="Imagem 8" descr="Diagrama, Esquemático&#10;&#10;Descrição gerada automaticamente">
-            <a:extLst>
-              <a:ext uri="{FF2B5EF4-FFF2-40B4-BE49-F238E27FC236}">
-                <a16:creationId xmlns:a16="http://schemas.microsoft.com/office/drawing/2014/main" id="{46F7226E-92FC-4E9B-8EF3-9CF9B2B64741}"/>
+          <p:cNvPr id="7" name="Imagem 6" descr="Diagrama&#10;&#10;Descrição gerada automaticamente">
+            <a:extLst>
+              <a:ext uri="{FF2B5EF4-FFF2-40B4-BE49-F238E27FC236}">
+                <a16:creationId xmlns:a16="http://schemas.microsoft.com/office/drawing/2014/main" id="{2BB4DE06-9F65-493A-9E78-5AC637927B45}"/>
               </a:ext>
             </a:extLst>
           </p:cNvPr>
@@ -3577,8 +3600,8 @@
         </p:blipFill>
         <p:spPr>
           <a:xfrm>
-            <a:off x="494523" y="0"/>
-            <a:ext cx="10707624" cy="6858000"/>
+            <a:off x="3745417" y="0"/>
+            <a:ext cx="4701166" cy="6858000"/>
           </a:xfrm>
           <a:prstGeom prst="rect">
             <a:avLst/>
@@ -3588,7 +3611,7 @@
     </p:spTree>
     <p:extLst>
       <p:ext uri="{BB962C8B-B14F-4D97-AF65-F5344CB8AC3E}">
-        <p14:creationId xmlns:p14="http://schemas.microsoft.com/office/powerpoint/2010/main" val="2834180457"/>
+        <p14:creationId xmlns:p14="http://schemas.microsoft.com/office/powerpoint/2010/main" val="4055363139"/>
       </p:ext>
     </p:extLst>
   </p:cSld>
@@ -3617,10 +3640,10 @@
       </p:grpSpPr>
       <p:pic>
         <p:nvPicPr>
-          <p:cNvPr id="7" name="Imagem 6" descr="Diagrama&#10;&#10;Descrição gerada automaticamente">
-            <a:extLst>
-              <a:ext uri="{FF2B5EF4-FFF2-40B4-BE49-F238E27FC236}">
-                <a16:creationId xmlns:a16="http://schemas.microsoft.com/office/drawing/2014/main" id="{2BB4DE06-9F65-493A-9E78-5AC637927B45}"/>
+          <p:cNvPr id="9" name="Imagem 8" descr="Diagrama, Esquemático&#10;&#10;Descrição gerada automaticamente">
+            <a:extLst>
+              <a:ext uri="{FF2B5EF4-FFF2-40B4-BE49-F238E27FC236}">
+                <a16:creationId xmlns:a16="http://schemas.microsoft.com/office/drawing/2014/main" id="{46F7226E-92FC-4E9B-8EF3-9CF9B2B64741}"/>
               </a:ext>
             </a:extLst>
           </p:cNvPr>
@@ -3643,8 +3666,8 @@
         </p:blipFill>
         <p:spPr>
           <a:xfrm>
-            <a:off x="3745417" y="0"/>
-            <a:ext cx="4701166" cy="6858000"/>
+            <a:off x="494523" y="0"/>
+            <a:ext cx="10707624" cy="6858000"/>
           </a:xfrm>
           <a:prstGeom prst="rect">
             <a:avLst/>
@@ -3654,7 +3677,7 @@
     </p:spTree>
     <p:extLst>
       <p:ext uri="{BB962C8B-B14F-4D97-AF65-F5344CB8AC3E}">
-        <p14:creationId xmlns:p14="http://schemas.microsoft.com/office/powerpoint/2010/main" val="4055363139"/>
+        <p14:creationId xmlns:p14="http://schemas.microsoft.com/office/powerpoint/2010/main" val="2834180457"/>
       </p:ext>
     </p:extLst>
   </p:cSld>
